--- a/presentacions/REVISIO_FINAL_presentacio_11_05_2018.pptx
+++ b/presentacions/REVISIO_FINAL_presentacio_11_05_2018.pptx
@@ -324,7 +324,7 @@
             <a:fld id="{D83FDC75-7F73-4A4A-A77C-09AADF00E0EA}" type="datetimeFigureOut">
               <a:rPr lang="es-ES" smtClean="0"/>
               <a:pPr/>
-              <a:t>11/05/2018</a:t>
+              <a:t>12/05/2018</a:t>
             </a:fld>
             <a:endParaRPr lang="es-ES" dirty="0"/>
           </a:p>
@@ -10046,7 +10046,6 @@
               <a:rPr lang="es-ES" dirty="0" smtClean="0"/>
               <a:t> (ACRA &amp; TEVA-SPOT)</a:t>
             </a:r>
-            <a:endParaRPr lang="es-ES" dirty="0" smtClean="0"/>
           </a:p>
         </p:txBody>
       </p:sp>
@@ -14553,11 +14552,6 @@
               </a:rPr>
               <a:t>https://software.sandia.gov/trac/spot/wiki/Example/Building/linux</a:t>
             </a:r>
-            <a:endParaRPr lang="es-ES" dirty="0">
-              <a:solidFill>
-                <a:schemeClr val="tx1"/>
-              </a:solidFill>
-            </a:endParaRPr>
           </a:p>
         </p:txBody>
       </p:sp>
